--- a/diseño/dwes-25.pptx
+++ b/diseño/dwes-25.pptx
@@ -269,7 +269,7 @@
           <a:p>
             <a:fld id="{F8FDD5A6-6956-477E-A754-A4AEF8692792}" type="datetimeFigureOut">
               <a:rPr lang="es-ES" smtClean="0"/>
-              <a:t>02/01/2025</a:t>
+              <a:t>13/03/2025</a:t>
             </a:fld>
             <a:endParaRPr lang="es-ES"/>
           </a:p>
@@ -467,7 +467,7 @@
           <a:p>
             <a:fld id="{F8FDD5A6-6956-477E-A754-A4AEF8692792}" type="datetimeFigureOut">
               <a:rPr lang="es-ES" smtClean="0"/>
-              <a:t>02/01/2025</a:t>
+              <a:t>13/03/2025</a:t>
             </a:fld>
             <a:endParaRPr lang="es-ES"/>
           </a:p>
@@ -675,7 +675,7 @@
           <a:p>
             <a:fld id="{F8FDD5A6-6956-477E-A754-A4AEF8692792}" type="datetimeFigureOut">
               <a:rPr lang="es-ES" smtClean="0"/>
-              <a:t>02/01/2025</a:t>
+              <a:t>13/03/2025</a:t>
             </a:fld>
             <a:endParaRPr lang="es-ES"/>
           </a:p>
@@ -873,7 +873,7 @@
           <a:p>
             <a:fld id="{F8FDD5A6-6956-477E-A754-A4AEF8692792}" type="datetimeFigureOut">
               <a:rPr lang="es-ES" smtClean="0"/>
-              <a:t>02/01/2025</a:t>
+              <a:t>13/03/2025</a:t>
             </a:fld>
             <a:endParaRPr lang="es-ES"/>
           </a:p>
@@ -1148,7 +1148,7 @@
           <a:p>
             <a:fld id="{F8FDD5A6-6956-477E-A754-A4AEF8692792}" type="datetimeFigureOut">
               <a:rPr lang="es-ES" smtClean="0"/>
-              <a:t>02/01/2025</a:t>
+              <a:t>13/03/2025</a:t>
             </a:fld>
             <a:endParaRPr lang="es-ES"/>
           </a:p>
@@ -1413,7 +1413,7 @@
           <a:p>
             <a:fld id="{F8FDD5A6-6956-477E-A754-A4AEF8692792}" type="datetimeFigureOut">
               <a:rPr lang="es-ES" smtClean="0"/>
-              <a:t>02/01/2025</a:t>
+              <a:t>13/03/2025</a:t>
             </a:fld>
             <a:endParaRPr lang="es-ES"/>
           </a:p>
@@ -1825,7 +1825,7 @@
           <a:p>
             <a:fld id="{F8FDD5A6-6956-477E-A754-A4AEF8692792}" type="datetimeFigureOut">
               <a:rPr lang="es-ES" smtClean="0"/>
-              <a:t>02/01/2025</a:t>
+              <a:t>13/03/2025</a:t>
             </a:fld>
             <a:endParaRPr lang="es-ES"/>
           </a:p>
@@ -1966,7 +1966,7 @@
           <a:p>
             <a:fld id="{F8FDD5A6-6956-477E-A754-A4AEF8692792}" type="datetimeFigureOut">
               <a:rPr lang="es-ES" smtClean="0"/>
-              <a:t>02/01/2025</a:t>
+              <a:t>13/03/2025</a:t>
             </a:fld>
             <a:endParaRPr lang="es-ES"/>
           </a:p>
@@ -2079,7 +2079,7 @@
           <a:p>
             <a:fld id="{F8FDD5A6-6956-477E-A754-A4AEF8692792}" type="datetimeFigureOut">
               <a:rPr lang="es-ES" smtClean="0"/>
-              <a:t>02/01/2025</a:t>
+              <a:t>13/03/2025</a:t>
             </a:fld>
             <a:endParaRPr lang="es-ES"/>
           </a:p>
@@ -2390,7 +2390,7 @@
           <a:p>
             <a:fld id="{F8FDD5A6-6956-477E-A754-A4AEF8692792}" type="datetimeFigureOut">
               <a:rPr lang="es-ES" smtClean="0"/>
-              <a:t>02/01/2025</a:t>
+              <a:t>13/03/2025</a:t>
             </a:fld>
             <a:endParaRPr lang="es-ES"/>
           </a:p>
@@ -2678,7 +2678,7 @@
           <a:p>
             <a:fld id="{F8FDD5A6-6956-477E-A754-A4AEF8692792}" type="datetimeFigureOut">
               <a:rPr lang="es-ES" smtClean="0"/>
-              <a:t>02/01/2025</a:t>
+              <a:t>13/03/2025</a:t>
             </a:fld>
             <a:endParaRPr lang="es-ES"/>
           </a:p>
@@ -2919,7 +2919,7 @@
           <a:p>
             <a:fld id="{F8FDD5A6-6956-477E-A754-A4AEF8692792}" type="datetimeFigureOut">
               <a:rPr lang="es-ES" smtClean="0"/>
-              <a:t>02/01/2025</a:t>
+              <a:t>13/03/2025</a:t>
             </a:fld>
             <a:endParaRPr lang="es-ES"/>
           </a:p>

--- a/diseño/dwes-25.pptx
+++ b/diseño/dwes-25.pptx
@@ -13,9 +13,8 @@
     <p:sldId id="266" r:id="rId7"/>
     <p:sldId id="265" r:id="rId8"/>
     <p:sldId id="275" r:id="rId9"/>
-    <p:sldId id="274" r:id="rId10"/>
-    <p:sldId id="270" r:id="rId11"/>
-    <p:sldId id="271" r:id="rId12"/>
+    <p:sldId id="270" r:id="rId10"/>
+    <p:sldId id="271" r:id="rId11"/>
   </p:sldIdLst>
   <p:sldSz cx="12192000" cy="6858000"/>
   <p:notesSz cx="6858000" cy="9144000"/>
@@ -269,7 +268,7 @@
           <a:p>
             <a:fld id="{F8FDD5A6-6956-477E-A754-A4AEF8692792}" type="datetimeFigureOut">
               <a:rPr lang="es-ES" smtClean="0"/>
-              <a:t>13/03/2025</a:t>
+              <a:t>17/03/2025</a:t>
             </a:fld>
             <a:endParaRPr lang="es-ES"/>
           </a:p>
@@ -467,7 +466,7 @@
           <a:p>
             <a:fld id="{F8FDD5A6-6956-477E-A754-A4AEF8692792}" type="datetimeFigureOut">
               <a:rPr lang="es-ES" smtClean="0"/>
-              <a:t>13/03/2025</a:t>
+              <a:t>17/03/2025</a:t>
             </a:fld>
             <a:endParaRPr lang="es-ES"/>
           </a:p>
@@ -675,7 +674,7 @@
           <a:p>
             <a:fld id="{F8FDD5A6-6956-477E-A754-A4AEF8692792}" type="datetimeFigureOut">
               <a:rPr lang="es-ES" smtClean="0"/>
-              <a:t>13/03/2025</a:t>
+              <a:t>17/03/2025</a:t>
             </a:fld>
             <a:endParaRPr lang="es-ES"/>
           </a:p>
@@ -873,7 +872,7 @@
           <a:p>
             <a:fld id="{F8FDD5A6-6956-477E-A754-A4AEF8692792}" type="datetimeFigureOut">
               <a:rPr lang="es-ES" smtClean="0"/>
-              <a:t>13/03/2025</a:t>
+              <a:t>17/03/2025</a:t>
             </a:fld>
             <a:endParaRPr lang="es-ES"/>
           </a:p>
@@ -1148,7 +1147,7 @@
           <a:p>
             <a:fld id="{F8FDD5A6-6956-477E-A754-A4AEF8692792}" type="datetimeFigureOut">
               <a:rPr lang="es-ES" smtClean="0"/>
-              <a:t>13/03/2025</a:t>
+              <a:t>17/03/2025</a:t>
             </a:fld>
             <a:endParaRPr lang="es-ES"/>
           </a:p>
@@ -1413,7 +1412,7 @@
           <a:p>
             <a:fld id="{F8FDD5A6-6956-477E-A754-A4AEF8692792}" type="datetimeFigureOut">
               <a:rPr lang="es-ES" smtClean="0"/>
-              <a:t>13/03/2025</a:t>
+              <a:t>17/03/2025</a:t>
             </a:fld>
             <a:endParaRPr lang="es-ES"/>
           </a:p>
@@ -1825,7 +1824,7 @@
           <a:p>
             <a:fld id="{F8FDD5A6-6956-477E-A754-A4AEF8692792}" type="datetimeFigureOut">
               <a:rPr lang="es-ES" smtClean="0"/>
-              <a:t>13/03/2025</a:t>
+              <a:t>17/03/2025</a:t>
             </a:fld>
             <a:endParaRPr lang="es-ES"/>
           </a:p>
@@ -1966,7 +1965,7 @@
           <a:p>
             <a:fld id="{F8FDD5A6-6956-477E-A754-A4AEF8692792}" type="datetimeFigureOut">
               <a:rPr lang="es-ES" smtClean="0"/>
-              <a:t>13/03/2025</a:t>
+              <a:t>17/03/2025</a:t>
             </a:fld>
             <a:endParaRPr lang="es-ES"/>
           </a:p>
@@ -2079,7 +2078,7 @@
           <a:p>
             <a:fld id="{F8FDD5A6-6956-477E-A754-A4AEF8692792}" type="datetimeFigureOut">
               <a:rPr lang="es-ES" smtClean="0"/>
-              <a:t>13/03/2025</a:t>
+              <a:t>17/03/2025</a:t>
             </a:fld>
             <a:endParaRPr lang="es-ES"/>
           </a:p>
@@ -2390,7 +2389,7 @@
           <a:p>
             <a:fld id="{F8FDD5A6-6956-477E-A754-A4AEF8692792}" type="datetimeFigureOut">
               <a:rPr lang="es-ES" smtClean="0"/>
-              <a:t>13/03/2025</a:t>
+              <a:t>17/03/2025</a:t>
             </a:fld>
             <a:endParaRPr lang="es-ES"/>
           </a:p>
@@ -2678,7 +2677,7 @@
           <a:p>
             <a:fld id="{F8FDD5A6-6956-477E-A754-A4AEF8692792}" type="datetimeFigureOut">
               <a:rPr lang="es-ES" smtClean="0"/>
-              <a:t>13/03/2025</a:t>
+              <a:t>17/03/2025</a:t>
             </a:fld>
             <a:endParaRPr lang="es-ES"/>
           </a:p>
@@ -2919,7 +2918,7 @@
           <a:p>
             <a:fld id="{F8FDD5A6-6956-477E-A754-A4AEF8692792}" type="datetimeFigureOut">
               <a:rPr lang="es-ES" smtClean="0"/>
-              <a:t>13/03/2025</a:t>
+              <a:t>17/03/2025</a:t>
             </a:fld>
             <a:endParaRPr lang="es-ES"/>
           </a:p>
@@ -3455,7 +3454,7 @@
             </a:r>
             <a:r>
               <a:rPr lang="es-ES" dirty="0" err="1"/>
-              <a:t>index.php</a:t>
+              <a:t>juego.php</a:t>
             </a:r>
             <a:endParaRPr lang="es-ES" dirty="0"/>
           </a:p>
@@ -3466,7 +3465,7 @@
           <p:cNvPr id="4" name="Imagen 3">
             <a:extLst>
               <a:ext uri="{FF2B5EF4-FFF2-40B4-BE49-F238E27FC236}">
-                <a16:creationId xmlns:a16="http://schemas.microsoft.com/office/drawing/2014/main" id="{766A1AE9-98CF-A385-F504-11208D534D3C}"/>
+                <a16:creationId xmlns:a16="http://schemas.microsoft.com/office/drawing/2014/main" id="{CA638AAA-6E4A-DA56-238A-07EB3A6C941E}"/>
               </a:ext>
             </a:extLst>
           </p:cNvPr>
@@ -3483,100 +3482,7 @@
         </p:blipFill>
         <p:spPr>
           <a:xfrm>
-            <a:off x="0" y="1528996"/>
-            <a:ext cx="12041280" cy="5329003"/>
-          </a:xfrm>
-          <a:prstGeom prst="rect">
-            <a:avLst/>
-          </a:prstGeom>
-        </p:spPr>
-      </p:pic>
-    </p:spTree>
-    <p:extLst>
-      <p:ext uri="{BB962C8B-B14F-4D97-AF65-F5344CB8AC3E}">
-        <p14:creationId xmlns:p14="http://schemas.microsoft.com/office/powerpoint/2010/main" val="2980477698"/>
-      </p:ext>
-    </p:extLst>
-  </p:cSld>
-  <p:clrMapOvr>
-    <a:masterClrMapping/>
-  </p:clrMapOvr>
-</p:sld>
-</file>
-
-<file path=ppt/slides/slide11.xml><?xml version="1.0" encoding="utf-8"?>
-<p:sld xmlns:a="http://schemas.openxmlformats.org/drawingml/2006/main" xmlns:r="http://schemas.openxmlformats.org/officeDocument/2006/relationships" xmlns:p="http://schemas.openxmlformats.org/presentationml/2006/main">
-  <p:cSld>
-    <p:spTree>
-      <p:nvGrpSpPr>
-        <p:cNvPr id="1" name=""/>
-        <p:cNvGrpSpPr/>
-        <p:nvPr/>
-      </p:nvGrpSpPr>
-      <p:grpSpPr>
-        <a:xfrm>
-          <a:off x="0" y="0"/>
-          <a:ext cx="0" cy="0"/>
-          <a:chOff x="0" y="0"/>
-          <a:chExt cx="0" cy="0"/>
-        </a:xfrm>
-      </p:grpSpPr>
-      <p:sp>
-        <p:nvSpPr>
-          <p:cNvPr id="2" name="Título 1">
-            <a:extLst>
-              <a:ext uri="{FF2B5EF4-FFF2-40B4-BE49-F238E27FC236}">
-                <a16:creationId xmlns:a16="http://schemas.microsoft.com/office/drawing/2014/main" id="{D8E9E319-24EA-995A-EEBF-FC6AD38EBE23}"/>
-              </a:ext>
-            </a:extLst>
-          </p:cNvPr>
-          <p:cNvSpPr>
-            <a:spLocks noGrp="1"/>
-          </p:cNvSpPr>
-          <p:nvPr>
-            <p:ph type="title"/>
-          </p:nvPr>
-        </p:nvSpPr>
-        <p:spPr/>
-        <p:txBody>
-          <a:bodyPr/>
-          <a:lstStyle/>
-          <a:p>
-            <a:r>
-              <a:rPr lang="es-ES" dirty="0"/>
-              <a:t>Lógica </a:t>
-            </a:r>
-            <a:r>
-              <a:rPr lang="es-ES" dirty="0" err="1"/>
-              <a:t>juego.php</a:t>
-            </a:r>
-            <a:endParaRPr lang="es-ES" dirty="0"/>
-          </a:p>
-        </p:txBody>
-      </p:sp>
-      <p:pic>
-        <p:nvPicPr>
-          <p:cNvPr id="4" name="Imagen 3">
-            <a:extLst>
-              <a:ext uri="{FF2B5EF4-FFF2-40B4-BE49-F238E27FC236}">
-                <a16:creationId xmlns:a16="http://schemas.microsoft.com/office/drawing/2014/main" id="{CA638AAA-6E4A-DA56-238A-07EB3A6C941E}"/>
-              </a:ext>
-            </a:extLst>
-          </p:cNvPr>
-          <p:cNvPicPr>
-            <a:picLocks noChangeAspect="1"/>
-          </p:cNvPicPr>
-          <p:nvPr/>
-        </p:nvPicPr>
-        <p:blipFill>
-          <a:blip r:embed="rId2"/>
-          <a:stretch>
-            <a:fillRect/>
-          </a:stretch>
-        </p:blipFill>
-        <p:spPr>
-          <a:xfrm>
-            <a:off x="1482597" y="1373733"/>
+            <a:off x="1482597" y="1396593"/>
             <a:ext cx="8981488" cy="5119142"/>
           </a:xfrm>
           <a:prstGeom prst="rect">
@@ -4803,12 +4709,45 @@
           <a:chExt cx="0" cy="0"/>
         </a:xfrm>
       </p:grpSpPr>
+      <p:sp>
+        <p:nvSpPr>
+          <p:cNvPr id="2" name="Título 1">
+            <a:extLst>
+              <a:ext uri="{FF2B5EF4-FFF2-40B4-BE49-F238E27FC236}">
+                <a16:creationId xmlns:a16="http://schemas.microsoft.com/office/drawing/2014/main" id="{D8E9E319-24EA-995A-EEBF-FC6AD38EBE23}"/>
+              </a:ext>
+            </a:extLst>
+          </p:cNvPr>
+          <p:cNvSpPr>
+            <a:spLocks noGrp="1"/>
+          </p:cNvSpPr>
+          <p:nvPr>
+            <p:ph type="title"/>
+          </p:nvPr>
+        </p:nvSpPr>
+        <p:spPr/>
+        <p:txBody>
+          <a:bodyPr/>
+          <a:lstStyle/>
+          <a:p>
+            <a:r>
+              <a:rPr lang="es-ES" dirty="0"/>
+              <a:t>Lógica </a:t>
+            </a:r>
+            <a:r>
+              <a:rPr lang="es-ES" dirty="0" err="1"/>
+              <a:t>index.php</a:t>
+            </a:r>
+            <a:endParaRPr lang="es-ES" dirty="0"/>
+          </a:p>
+        </p:txBody>
+      </p:sp>
       <p:pic>
         <p:nvPicPr>
-          <p:cNvPr id="3" name="Imagen 2">
-            <a:extLst>
-              <a:ext uri="{FF2B5EF4-FFF2-40B4-BE49-F238E27FC236}">
-                <a16:creationId xmlns:a16="http://schemas.microsoft.com/office/drawing/2014/main" id="{B638C702-C49A-E4FE-E7ED-366CC6517A55}"/>
+          <p:cNvPr id="4" name="Imagen 3">
+            <a:extLst>
+              <a:ext uri="{FF2B5EF4-FFF2-40B4-BE49-F238E27FC236}">
+                <a16:creationId xmlns:a16="http://schemas.microsoft.com/office/drawing/2014/main" id="{766A1AE9-98CF-A385-F504-11208D534D3C}"/>
               </a:ext>
             </a:extLst>
           </p:cNvPr>
@@ -4825,105 +4764,18 @@
         </p:blipFill>
         <p:spPr>
           <a:xfrm>
-            <a:off x="0" y="923579"/>
-            <a:ext cx="12192000" cy="4110737"/>
+            <a:off x="0" y="1528996"/>
+            <a:ext cx="12041280" cy="5329003"/>
           </a:xfrm>
           <a:prstGeom prst="rect">
             <a:avLst/>
           </a:prstGeom>
         </p:spPr>
       </p:pic>
-      <p:sp>
-        <p:nvSpPr>
-          <p:cNvPr id="5" name="CuadroTexto 4">
-            <a:extLst>
-              <a:ext uri="{FF2B5EF4-FFF2-40B4-BE49-F238E27FC236}">
-                <a16:creationId xmlns:a16="http://schemas.microsoft.com/office/drawing/2014/main" id="{B5361B51-D9BE-3756-54EC-D1CBB77F863F}"/>
-              </a:ext>
-            </a:extLst>
-          </p:cNvPr>
-          <p:cNvSpPr txBox="1"/>
-          <p:nvPr/>
-        </p:nvSpPr>
-        <p:spPr>
-          <a:xfrm>
-            <a:off x="5829277" y="3162704"/>
-            <a:ext cx="2176109" cy="369332"/>
-          </a:xfrm>
-          <a:prstGeom prst="rect">
-            <a:avLst/>
-          </a:prstGeom>
-          <a:noFill/>
-        </p:spPr>
-        <p:txBody>
-          <a:bodyPr wrap="none" rtlCol="0">
-            <a:spAutoFit/>
-          </a:bodyPr>
-          <a:lstStyle/>
-          <a:p>
-            <a:r>
-              <a:rPr lang="es-ES" dirty="0" err="1">
-                <a:solidFill>
-                  <a:schemeClr val="accent2">
-                    <a:lumMod val="75000"/>
-                  </a:schemeClr>
-                </a:solidFill>
-              </a:rPr>
-              <a:t>botonresolverpartida</a:t>
-            </a:r>
-            <a:endParaRPr lang="es-ES" dirty="0">
-              <a:solidFill>
-                <a:schemeClr val="accent2">
-                  <a:lumMod val="75000"/>
-                </a:schemeClr>
-              </a:solidFill>
-            </a:endParaRPr>
-          </a:p>
-        </p:txBody>
-      </p:sp>
-      <p:cxnSp>
-        <p:nvCxnSpPr>
-          <p:cNvPr id="8" name="Conector recto de flecha 7">
-            <a:extLst>
-              <a:ext uri="{FF2B5EF4-FFF2-40B4-BE49-F238E27FC236}">
-                <a16:creationId xmlns:a16="http://schemas.microsoft.com/office/drawing/2014/main" id="{73A56276-0C6B-4268-4619-3D56571843DC}"/>
-              </a:ext>
-            </a:extLst>
-          </p:cNvPr>
-          <p:cNvCxnSpPr/>
-          <p:nvPr/>
-        </p:nvCxnSpPr>
-        <p:spPr>
-          <a:xfrm>
-            <a:off x="6744625" y="2582444"/>
-            <a:ext cx="0" cy="487680"/>
-          </a:xfrm>
-          <a:prstGeom prst="straightConnector1">
-            <a:avLst/>
-          </a:prstGeom>
-          <a:ln>
-            <a:tailEnd type="triangle"/>
-          </a:ln>
-        </p:spPr>
-        <p:style>
-          <a:lnRef idx="1">
-            <a:schemeClr val="accent1"/>
-          </a:lnRef>
-          <a:fillRef idx="0">
-            <a:schemeClr val="accent1"/>
-          </a:fillRef>
-          <a:effectRef idx="0">
-            <a:schemeClr val="accent1"/>
-          </a:effectRef>
-          <a:fontRef idx="minor">
-            <a:schemeClr val="tx1"/>
-          </a:fontRef>
-        </p:style>
-      </p:cxnSp>
     </p:spTree>
     <p:extLst>
       <p:ext uri="{BB962C8B-B14F-4D97-AF65-F5344CB8AC3E}">
-        <p14:creationId xmlns:p14="http://schemas.microsoft.com/office/powerpoint/2010/main" val="2737508091"/>
+        <p14:creationId xmlns:p14="http://schemas.microsoft.com/office/powerpoint/2010/main" val="2980477698"/>
       </p:ext>
     </p:extLst>
   </p:cSld>
